--- a/Presentation/LLM based Document Information Extraction.pptx
+++ b/Presentation/LLM based Document Information Extraction.pptx
@@ -230,7 +230,7 @@
           <a:p>
             <a:fld id="{C17F2C1D-F243-42AB-ADF2-E7CB4E04900E}" type="datetimeFigureOut">
               <a:rPr lang="en-US" smtClean="0"/>
-              <a:t>11/14/2023</a:t>
+              <a:t>11/15/2023</a:t>
             </a:fld>
             <a:endParaRPr lang="en-US"/>
           </a:p>
@@ -407,7 +407,7 @@
           <a:p>
             <a:fld id="{020CE34E-5667-4A32-A6BA-10C7A552BC63}" type="datetimeFigureOut">
               <a:rPr lang="en-US" smtClean="0"/>
-              <a:t>11/14/2023</a:t>
+              <a:t>11/15/2023</a:t>
             </a:fld>
             <a:endParaRPr lang="en-US"/>
           </a:p>
@@ -802,6 +802,37 @@
           <a:bodyPr/>
           <a:lstStyle/>
           <a:p>
+            <a:r>
+              <a:rPr lang="en-US" b="0" i="0" dirty="0">
+                <a:solidFill>
+                  <a:srgbClr val="374151"/>
+                </a:solidFill>
+                <a:effectLst/>
+                <a:latin typeface="Söhne"/>
+              </a:rPr>
+              <a:t>As businesses grapple with vast amounts of unstructured data locked within PDF documents, the need for a solution that not only reads but truly understands the content is paramount. Traditional Optical Character Recognition (OCR) systems, while proficient at recognizing text, often fall short when it comes to deciphering the nuances of complex document structures. This is where LLMs step in to take the lead.</a:t>
+            </a:r>
+          </a:p>
+          <a:p>
+            <a:endParaRPr lang="en-US" b="0" i="0" dirty="0">
+              <a:solidFill>
+                <a:srgbClr val="374151"/>
+              </a:solidFill>
+              <a:effectLst/>
+              <a:latin typeface="Söhne"/>
+            </a:endParaRPr>
+          </a:p>
+          <a:p>
+            <a:r>
+              <a:rPr lang="en-US" b="0" i="0" dirty="0">
+                <a:solidFill>
+                  <a:srgbClr val="374151"/>
+                </a:solidFill>
+                <a:effectLst/>
+                <a:latin typeface="Söhne"/>
+              </a:rPr>
+              <a:t>Imagine a scenario where every document, regardless of its complexity, is effortlessly translated into a structured JSON format, preserving the integrity of the data while making it infinitely more accessible and usable. This demo showcases precisely that capability.</a:t>
+            </a:r>
             <a:endParaRPr lang="en-US" dirty="0"/>
           </a:p>
         </p:txBody>
@@ -886,6 +917,67 @@
           <a:bodyPr/>
           <a:lstStyle/>
           <a:p>
+            <a:r>
+              <a:rPr lang="en-US" b="0" i="0" dirty="0">
+                <a:solidFill>
+                  <a:srgbClr val="374151"/>
+                </a:solidFill>
+                <a:effectLst/>
+                <a:latin typeface="Söhne"/>
+              </a:rPr>
+              <a:t>Powered by Python, our demo harnesses the formidable capabilities of LLMs to read, interpret, and convert unstructured PDF data into meticulously structured JSONs. The beauty of this approach lies in the innate understanding that LLMs bring to the table. Unlike OCRs that merely recognize characters, LLMs comprehend the context, discern relationships between elements, and generate structured outputs that mirror the true essence of the document.</a:t>
+            </a:r>
+          </a:p>
+          <a:p>
+            <a:endParaRPr lang="en-US" b="0" i="0" dirty="0">
+              <a:solidFill>
+                <a:srgbClr val="374151"/>
+              </a:solidFill>
+              <a:effectLst/>
+              <a:latin typeface="Söhne"/>
+            </a:endParaRPr>
+          </a:p>
+          <a:p>
+            <a:pPr marL="0" marR="0" lvl="0" indent="0" algn="l" defTabSz="914400" rtl="0" eaLnBrk="1" fontAlgn="auto" latinLnBrk="0" hangingPunct="1">
+              <a:lnSpc>
+                <a:spcPct val="100000"/>
+              </a:lnSpc>
+              <a:spcBef>
+                <a:spcPts val="0"/>
+              </a:spcBef>
+              <a:spcAft>
+                <a:spcPts val="0"/>
+              </a:spcAft>
+              <a:buClrTx/>
+              <a:buSzTx/>
+              <a:buFontTx/>
+              <a:buNone/>
+              <a:tabLst/>
+              <a:defRPr/>
+            </a:pPr>
+            <a:r>
+              <a:rPr lang="en-US" b="0" i="0" dirty="0">
+                <a:solidFill>
+                  <a:srgbClr val="374151"/>
+                </a:solidFill>
+                <a:effectLst/>
+                <a:latin typeface="Söhne"/>
+              </a:rPr>
+              <a:t>Through an intuitive and seamless process, the demo navigates through complex document layouts, varying fonts, and diverse content types, ensuring a reliable and consistent transformation every time. Witness firsthand how LLMs effortlessly handle the intricacies of invoices (demo), legal documents (demo) transcending the limitations of traditional OCR technology.</a:t>
+            </a:r>
+          </a:p>
+          <a:p>
+            <a:pPr algn="l"/>
+            <a:r>
+              <a:rPr lang="en-US" b="0" i="0" dirty="0">
+                <a:solidFill>
+                  <a:srgbClr val="374151"/>
+                </a:solidFill>
+                <a:effectLst/>
+                <a:latin typeface="Söhne"/>
+              </a:rPr>
+              <a:t>The same can be applied to research papers, invoices, and more.</a:t>
+            </a:r>
             <a:endParaRPr lang="en-US" dirty="0"/>
           </a:p>
         </p:txBody>
@@ -970,6 +1062,70 @@
           <a:bodyPr/>
           <a:lstStyle/>
           <a:p>
+            <a:r>
+              <a:rPr lang="en-US" b="0" i="0" dirty="0">
+                <a:solidFill>
+                  <a:srgbClr val="374151"/>
+                </a:solidFill>
+                <a:effectLst/>
+                <a:latin typeface="Söhne"/>
+              </a:rPr>
+              <a:t>The implications of this advancement are profound. Businesses can now streamline their data extraction processes, enhance decision-making based on accurately interpreted information, and significantly reduce the time and effort spent on manual data structuring. The era of converting unstructured PDFs to structured JSONs has arrived, and it's powered by the unparalleled intelligence of LLMs.</a:t>
+            </a:r>
+          </a:p>
+          <a:p>
+            <a:endParaRPr lang="en-US" b="0" i="0" dirty="0">
+              <a:solidFill>
+                <a:srgbClr val="374151"/>
+              </a:solidFill>
+              <a:effectLst/>
+              <a:latin typeface="Söhne"/>
+            </a:endParaRPr>
+          </a:p>
+          <a:p>
+            <a:r>
+              <a:rPr lang="en-US" b="0" i="0" dirty="0">
+                <a:solidFill>
+                  <a:srgbClr val="374151"/>
+                </a:solidFill>
+                <a:effectLst/>
+                <a:latin typeface="Söhne"/>
+              </a:rPr>
+              <a:t>The question which still needs humans to take a decision, when and how to use this. </a:t>
+            </a:r>
+          </a:p>
+          <a:p>
+            <a:r>
+              <a:rPr lang="en-US" b="0" i="0" dirty="0">
+                <a:solidFill>
+                  <a:srgbClr val="374151"/>
+                </a:solidFill>
+                <a:effectLst/>
+                <a:latin typeface="Söhne"/>
+              </a:rPr>
+              <a:t>Maintenance of production systems cost anything between 1.5 to 12 times the implementation costs, it needs to be done in a proper way and it needs to be worth it.</a:t>
+            </a:r>
+          </a:p>
+          <a:p>
+            <a:endParaRPr lang="en-US" b="0" i="0" dirty="0">
+              <a:solidFill>
+                <a:srgbClr val="374151"/>
+              </a:solidFill>
+              <a:effectLst/>
+              <a:latin typeface="Söhne"/>
+            </a:endParaRPr>
+          </a:p>
+          <a:p>
+            <a:r>
+              <a:rPr lang="en-US" b="0" i="0" dirty="0">
+                <a:solidFill>
+                  <a:srgbClr val="374151"/>
+                </a:solidFill>
+                <a:effectLst/>
+                <a:latin typeface="Söhne"/>
+              </a:rPr>
+              <a:t>The next wave will be about document processing software’s scaling up for the future and using LLM’s.</a:t>
+            </a:r>
             <a:endParaRPr lang="en-US" dirty="0"/>
           </a:p>
         </p:txBody>
@@ -12864,8 +13020,8 @@
         </p:nvSpPr>
         <p:spPr>
           <a:xfrm>
-            <a:off x="7523430" y="1051550"/>
-            <a:ext cx="4588560" cy="3004401"/>
+            <a:off x="7523430" y="644892"/>
+            <a:ext cx="4588560" cy="3503229"/>
           </a:xfrm>
         </p:spPr>
         <p:txBody>
@@ -12875,9 +13031,38 @@
           <a:lstStyle/>
           <a:p>
             <a:r>
-              <a:rPr lang="en-US" dirty="0"/>
-              <a:t>LLM based Document Information Extraction</a:t>
+              <a:rPr lang="en-US" sz="4000" dirty="0">
+                <a:solidFill>
+                  <a:schemeClr val="accent1">
+                    <a:lumMod val="20000"/>
+                    <a:lumOff val="80000"/>
+                  </a:schemeClr>
+                </a:solidFill>
+                <a:latin typeface="Söhne"/>
+              </a:rPr>
+              <a:t>Revolutionizing Document Transformation: Unleashing the Power of LLMs for </a:t>
             </a:r>
+            <a:r>
+              <a:rPr lang="en-US" sz="4000" b="0" i="0" dirty="0">
+                <a:solidFill>
+                  <a:schemeClr val="accent1">
+                    <a:lumMod val="20000"/>
+                    <a:lumOff val="80000"/>
+                  </a:schemeClr>
+                </a:solidFill>
+                <a:effectLst/>
+                <a:latin typeface="Söhne"/>
+              </a:rPr>
+              <a:t>Document processing</a:t>
+            </a:r>
+            <a:endParaRPr lang="en-US" sz="4000" dirty="0">
+              <a:solidFill>
+                <a:schemeClr val="accent1">
+                  <a:lumMod val="20000"/>
+                  <a:lumOff val="80000"/>
+                </a:schemeClr>
+              </a:solidFill>
+            </a:endParaRPr>
           </a:p>
         </p:txBody>
       </p:sp>
@@ -12933,8 +13118,8 @@
         </p:nvSpPr>
         <p:spPr>
           <a:xfrm>
-            <a:off x="7523430" y="4148122"/>
-            <a:ext cx="3565524" cy="1731963"/>
+            <a:off x="7523430" y="4359878"/>
+            <a:ext cx="3565524" cy="356501"/>
           </a:xfrm>
         </p:spPr>
         <p:txBody>
@@ -12947,6 +13132,235 @@
               <a:rPr lang="en-US" dirty="0"/>
               <a:t>Ashish Easow</a:t>
             </a:r>
+          </a:p>
+        </p:txBody>
+      </p:sp>
+      <p:sp>
+        <p:nvSpPr>
+          <p:cNvPr id="4" name="Subtitle 2">
+            <a:extLst>
+              <a:ext uri="{FF2B5EF4-FFF2-40B4-BE49-F238E27FC236}">
+                <a16:creationId xmlns:a16="http://schemas.microsoft.com/office/drawing/2014/main" id="{2138B383-CB99-E982-1E05-4754ED03853D}"/>
+              </a:ext>
+            </a:extLst>
+          </p:cNvPr>
+          <p:cNvSpPr txBox="1">
+            <a:spLocks/>
+          </p:cNvSpPr>
+          <p:nvPr/>
+        </p:nvSpPr>
+        <p:spPr>
+          <a:xfrm>
+            <a:off x="7637330" y="6283326"/>
+            <a:ext cx="3565524" cy="356501"/>
+          </a:xfrm>
+          <a:prstGeom prst="rect">
+            <a:avLst/>
+          </a:prstGeom>
+        </p:spPr>
+        <p:txBody>
+          <a:bodyPr vert="horz" wrap="square" lIns="0" tIns="0" rIns="0" bIns="0" rtlCol="0">
+            <a:normAutofit/>
+          </a:bodyPr>
+          <a:lstStyle>
+            <a:lvl1pPr marL="228600" indent="-228600" algn="l" defTabSz="914400" rtl="0" eaLnBrk="1" latinLnBrk="0" hangingPunct="1">
+              <a:lnSpc>
+                <a:spcPct val="110000"/>
+              </a:lnSpc>
+              <a:spcBef>
+                <a:spcPts val="1000"/>
+              </a:spcBef>
+              <a:spcAft>
+                <a:spcPts val="800"/>
+              </a:spcAft>
+              <a:buFont typeface="Arial" panose="020B0604020202020204" pitchFamily="34" charset="0"/>
+              <a:buNone/>
+              <a:defRPr sz="2000" kern="1200">
+                <a:solidFill>
+                  <a:schemeClr val="tx1">
+                    <a:alpha val="60000"/>
+                  </a:schemeClr>
+                </a:solidFill>
+                <a:latin typeface="+mn-lt"/>
+                <a:ea typeface="+mn-ea"/>
+                <a:cs typeface="+mn-cs"/>
+              </a:defRPr>
+            </a:lvl1pPr>
+            <a:lvl2pPr marL="685800" indent="-228600" algn="l" defTabSz="914400" rtl="0" eaLnBrk="1" latinLnBrk="0" hangingPunct="1">
+              <a:lnSpc>
+                <a:spcPct val="110000"/>
+              </a:lnSpc>
+              <a:spcBef>
+                <a:spcPts val="500"/>
+              </a:spcBef>
+              <a:spcAft>
+                <a:spcPts val="800"/>
+              </a:spcAft>
+              <a:buFont typeface="Arial" panose="020B0604020202020204" pitchFamily="34" charset="0"/>
+              <a:buNone/>
+              <a:defRPr sz="2000" kern="1200">
+                <a:solidFill>
+                  <a:schemeClr val="tx1">
+                    <a:alpha val="60000"/>
+                  </a:schemeClr>
+                </a:solidFill>
+                <a:latin typeface="+mn-lt"/>
+                <a:ea typeface="+mn-ea"/>
+                <a:cs typeface="+mn-cs"/>
+              </a:defRPr>
+            </a:lvl2pPr>
+            <a:lvl3pPr marL="1143000" indent="-228600" algn="l" defTabSz="914400" rtl="0" eaLnBrk="1" latinLnBrk="0" hangingPunct="1">
+              <a:lnSpc>
+                <a:spcPct val="110000"/>
+              </a:lnSpc>
+              <a:spcBef>
+                <a:spcPts val="500"/>
+              </a:spcBef>
+              <a:spcAft>
+                <a:spcPts val="800"/>
+              </a:spcAft>
+              <a:buFont typeface="Arial" panose="020B0604020202020204" pitchFamily="34" charset="0"/>
+              <a:buNone/>
+              <a:defRPr sz="2000" kern="1200">
+                <a:solidFill>
+                  <a:schemeClr val="tx1">
+                    <a:alpha val="60000"/>
+                  </a:schemeClr>
+                </a:solidFill>
+                <a:latin typeface="+mn-lt"/>
+                <a:ea typeface="+mn-ea"/>
+                <a:cs typeface="+mn-cs"/>
+              </a:defRPr>
+            </a:lvl3pPr>
+            <a:lvl4pPr marL="1600200" indent="-228600" algn="l" defTabSz="914400" rtl="0" eaLnBrk="1" latinLnBrk="0" hangingPunct="1">
+              <a:lnSpc>
+                <a:spcPct val="110000"/>
+              </a:lnSpc>
+              <a:spcBef>
+                <a:spcPts val="500"/>
+              </a:spcBef>
+              <a:spcAft>
+                <a:spcPts val="800"/>
+              </a:spcAft>
+              <a:buFont typeface="Arial" panose="020B0604020202020204" pitchFamily="34" charset="0"/>
+              <a:buNone/>
+              <a:defRPr sz="2000" kern="1200">
+                <a:solidFill>
+                  <a:schemeClr val="tx1">
+                    <a:alpha val="60000"/>
+                  </a:schemeClr>
+                </a:solidFill>
+                <a:latin typeface="+mn-lt"/>
+                <a:ea typeface="+mn-ea"/>
+                <a:cs typeface="+mn-cs"/>
+              </a:defRPr>
+            </a:lvl4pPr>
+            <a:lvl5pPr marL="2057400" indent="-228600" algn="l" defTabSz="914400" rtl="0" eaLnBrk="1" latinLnBrk="0" hangingPunct="1">
+              <a:lnSpc>
+                <a:spcPct val="110000"/>
+              </a:lnSpc>
+              <a:spcBef>
+                <a:spcPts val="500"/>
+              </a:spcBef>
+              <a:spcAft>
+                <a:spcPts val="800"/>
+              </a:spcAft>
+              <a:buFont typeface="Arial" panose="020B0604020202020204" pitchFamily="34" charset="0"/>
+              <a:buNone/>
+              <a:defRPr sz="2000" kern="1200">
+                <a:solidFill>
+                  <a:schemeClr val="tx1">
+                    <a:alpha val="60000"/>
+                  </a:schemeClr>
+                </a:solidFill>
+                <a:latin typeface="+mn-lt"/>
+                <a:ea typeface="+mn-ea"/>
+                <a:cs typeface="+mn-cs"/>
+              </a:defRPr>
+            </a:lvl5pPr>
+            <a:lvl6pPr marL="2514600" indent="-228600" algn="l" defTabSz="914400" rtl="0" eaLnBrk="1" latinLnBrk="0" hangingPunct="1">
+              <a:lnSpc>
+                <a:spcPct val="90000"/>
+              </a:lnSpc>
+              <a:spcBef>
+                <a:spcPts val="500"/>
+              </a:spcBef>
+              <a:buFont typeface="Arial" panose="020B0604020202020204" pitchFamily="34" charset="0"/>
+              <a:buChar char="•"/>
+              <a:defRPr sz="1800" kern="1200">
+                <a:solidFill>
+                  <a:schemeClr val="tx1"/>
+                </a:solidFill>
+                <a:latin typeface="+mn-lt"/>
+                <a:ea typeface="+mn-ea"/>
+                <a:cs typeface="+mn-cs"/>
+              </a:defRPr>
+            </a:lvl6pPr>
+            <a:lvl7pPr marL="2971800" indent="-228600" algn="l" defTabSz="914400" rtl="0" eaLnBrk="1" latinLnBrk="0" hangingPunct="1">
+              <a:lnSpc>
+                <a:spcPct val="90000"/>
+              </a:lnSpc>
+              <a:spcBef>
+                <a:spcPts val="500"/>
+              </a:spcBef>
+              <a:buFont typeface="Arial" panose="020B0604020202020204" pitchFamily="34" charset="0"/>
+              <a:buChar char="•"/>
+              <a:defRPr sz="1800" kern="1200">
+                <a:solidFill>
+                  <a:schemeClr val="tx1"/>
+                </a:solidFill>
+                <a:latin typeface="+mn-lt"/>
+                <a:ea typeface="+mn-ea"/>
+                <a:cs typeface="+mn-cs"/>
+              </a:defRPr>
+            </a:lvl7pPr>
+            <a:lvl8pPr marL="3429000" indent="-228600" algn="l" defTabSz="914400" rtl="0" eaLnBrk="1" latinLnBrk="0" hangingPunct="1">
+              <a:lnSpc>
+                <a:spcPct val="90000"/>
+              </a:lnSpc>
+              <a:spcBef>
+                <a:spcPts val="500"/>
+              </a:spcBef>
+              <a:buFont typeface="Arial" panose="020B0604020202020204" pitchFamily="34" charset="0"/>
+              <a:buChar char="•"/>
+              <a:defRPr sz="1800" kern="1200">
+                <a:solidFill>
+                  <a:schemeClr val="tx1"/>
+                </a:solidFill>
+                <a:latin typeface="+mn-lt"/>
+                <a:ea typeface="+mn-ea"/>
+                <a:cs typeface="+mn-cs"/>
+              </a:defRPr>
+            </a:lvl8pPr>
+            <a:lvl9pPr marL="3886200" indent="-228600" algn="l" defTabSz="914400" rtl="0" eaLnBrk="1" latinLnBrk="0" hangingPunct="1">
+              <a:lnSpc>
+                <a:spcPct val="90000"/>
+              </a:lnSpc>
+              <a:spcBef>
+                <a:spcPts val="500"/>
+              </a:spcBef>
+              <a:buFont typeface="Arial" panose="020B0604020202020204" pitchFamily="34" charset="0"/>
+              <a:buChar char="•"/>
+              <a:defRPr sz="1800" kern="1200">
+                <a:solidFill>
+                  <a:schemeClr val="tx1"/>
+                </a:solidFill>
+                <a:latin typeface="+mn-lt"/>
+                <a:ea typeface="+mn-ea"/>
+                <a:cs typeface="+mn-cs"/>
+              </a:defRPr>
+            </a:lvl9pPr>
+          </a:lstStyle>
+          <a:p>
+            <a:r>
+              <a:rPr lang="en-US" sz="900" dirty="0"/>
+              <a:t>* Assistant credits – </a:t>
+            </a:r>
+            <a:r>
+              <a:rPr lang="en-US" sz="900" dirty="0" err="1"/>
+              <a:t>ChatGPT</a:t>
+            </a:r>
+            <a:endParaRPr lang="en-US" sz="900" dirty="0"/>
           </a:p>
         </p:txBody>
       </p:sp>
@@ -13428,7 +13842,7 @@
         </p:spPr>
         <p:txBody>
           <a:bodyPr>
-            <a:normAutofit fontScale="92500" lnSpcReduction="10000"/>
+            <a:normAutofit fontScale="92500" lnSpcReduction="20000"/>
           </a:bodyPr>
           <a:lstStyle/>
           <a:p>
@@ -13445,7 +13859,7 @@
             </a:r>
             <a:r>
               <a:rPr lang="en-US" dirty="0"/>
-              <a:t>, Bard, LLAMA2 amongst others are at the forefront of digital innovation. So, what's stopping us from combining both.</a:t>
+              <a:t>, Bard, LLAMA2, Mistral 7B amongst others are at the forefront of digital innovation. So, what's stopping us from combining both.</a:t>
             </a:r>
           </a:p>
         </p:txBody>
@@ -14612,7 +15026,7 @@
         <p:spPr>
           <a:xfrm>
             <a:off x="206831" y="141913"/>
-            <a:ext cx="5437187" cy="1062654"/>
+            <a:ext cx="7204622" cy="1062654"/>
           </a:xfrm>
         </p:spPr>
         <p:txBody>
@@ -14635,7 +15049,7 @@
                 <a:ea typeface="+mj-ea"/>
                 <a:cs typeface="+mj-cs"/>
               </a:rPr>
-              <a:t>Architecture</a:t>
+              <a:t>POC Architecture</a:t>
             </a:r>
           </a:p>
         </p:txBody>
@@ -15200,7 +15614,7 @@
         </p:nvSpPr>
         <p:spPr>
           <a:xfrm>
-            <a:off x="8591414" y="2408413"/>
+            <a:off x="9091444" y="3280839"/>
             <a:ext cx="2856682" cy="369332"/>
           </a:xfrm>
           <a:prstGeom prst="rect">
@@ -15235,8 +15649,8 @@
         </p:nvSpPr>
         <p:spPr>
           <a:xfrm>
-            <a:off x="2240518" y="2481219"/>
-            <a:ext cx="2229595" cy="369332"/>
+            <a:off x="2374789" y="1935763"/>
+            <a:ext cx="2525250" cy="923330"/>
           </a:xfrm>
           <a:prstGeom prst="rect">
             <a:avLst/>
@@ -15258,7 +15672,7 @@
                   </a:schemeClr>
                 </a:solidFill>
               </a:rPr>
-              <a:t>2. Integrate with LLM</a:t>
+              <a:t>2. Integrate with LLM and send unstructured data for processing</a:t>
             </a:r>
           </a:p>
         </p:txBody>
@@ -15277,8 +15691,8 @@
         </p:nvSpPr>
         <p:spPr>
           <a:xfrm>
-            <a:off x="6015824" y="1675892"/>
-            <a:ext cx="2166313" cy="923330"/>
+            <a:off x="8728334" y="1658764"/>
+            <a:ext cx="3379866" cy="1200329"/>
           </a:xfrm>
           <a:prstGeom prst="rect">
             <a:avLst/>
@@ -15291,6 +15705,9 @@
           </a:bodyPr>
           <a:lstStyle/>
           <a:p>
+            <a:pPr marL="342900" indent="-342900">
+              <a:buAutoNum type="arabicPeriod"/>
+            </a:pPr>
             <a:r>
               <a:rPr lang="en-IN" dirty="0">
                 <a:solidFill>
@@ -15300,7 +15717,84 @@
                   </a:schemeClr>
                 </a:solidFill>
               </a:rPr>
-              <a:t>1. Read Raw/Unstructured data from documents</a:t>
+              <a:t>Read Raw/Unstructured data from documents</a:t>
+            </a:r>
+          </a:p>
+          <a:p>
+            <a:pPr algn="ctr"/>
+            <a:r>
+              <a:rPr lang="en-IN" dirty="0">
+                <a:solidFill>
+                  <a:schemeClr val="accent2">
+                    <a:lumMod val="60000"/>
+                    <a:lumOff val="40000"/>
+                  </a:schemeClr>
+                </a:solidFill>
+              </a:rPr>
+              <a:t>(</a:t>
+            </a:r>
+            <a:r>
+              <a:rPr lang="en-IN" dirty="0">
+                <a:solidFill>
+                  <a:schemeClr val="accent1">
+                    <a:lumMod val="60000"/>
+                    <a:lumOff val="40000"/>
+                  </a:schemeClr>
+                </a:solidFill>
+              </a:rPr>
+              <a:t>Digital using </a:t>
+            </a:r>
+            <a:r>
+              <a:rPr lang="en-IN" dirty="0" err="1">
+                <a:solidFill>
+                  <a:schemeClr val="accent1">
+                    <a:lumMod val="60000"/>
+                    <a:lumOff val="40000"/>
+                  </a:schemeClr>
+                </a:solidFill>
+              </a:rPr>
+              <a:t>pdfplumber</a:t>
+            </a:r>
+            <a:r>
+              <a:rPr lang="en-IN" dirty="0">
+                <a:solidFill>
+                  <a:schemeClr val="accent1">
+                    <a:lumMod val="60000"/>
+                    <a:lumOff val="40000"/>
+                  </a:schemeClr>
+                </a:solidFill>
+              </a:rPr>
+              <a:t> </a:t>
+            </a:r>
+            <a:r>
+              <a:rPr lang="en-IN" dirty="0">
+                <a:solidFill>
+                  <a:schemeClr val="accent2">
+                    <a:lumMod val="60000"/>
+                    <a:lumOff val="40000"/>
+                  </a:schemeClr>
+                </a:solidFill>
+              </a:rPr>
+              <a:t>or </a:t>
+            </a:r>
+            <a:r>
+              <a:rPr lang="en-IN" dirty="0">
+                <a:solidFill>
+                  <a:srgbClr val="FFC000"/>
+                </a:solidFill>
+              </a:rPr>
+              <a:t>Scanned using Tesseract</a:t>
+            </a:r>
+            <a:r>
+              <a:rPr lang="en-IN" dirty="0">
+                <a:solidFill>
+                  <a:schemeClr val="accent2">
+                    <a:lumMod val="60000"/>
+                    <a:lumOff val="40000"/>
+                  </a:schemeClr>
+                </a:solidFill>
+              </a:rPr>
+              <a:t>)</a:t>
             </a:r>
           </a:p>
         </p:txBody>
@@ -15319,7 +15813,7 @@
         </p:nvSpPr>
         <p:spPr>
           <a:xfrm>
-            <a:off x="3077043" y="3517137"/>
+            <a:off x="3123064" y="3712724"/>
             <a:ext cx="2229595" cy="923330"/>
           </a:xfrm>
           <a:prstGeom prst="rect">
@@ -16374,6 +16868,34 @@
 </file>
 
 <file path=customXml/item1.xml><?xml version="1.0" encoding="utf-8"?>
+<?mso-contentType ?>
+<FormTemplates xmlns="http://schemas.microsoft.com/sharepoint/v3/contenttype/forms">
+  <Display>DocumentLibraryForm</Display>
+  <Edit>DocumentLibraryForm</Edit>
+  <New>DocumentLibraryForm</New>
+</FormTemplates>
+</file>
+
+<file path=customXml/item2.xml><?xml version="1.0" encoding="utf-8"?>
+<p:properties xmlns:p="http://schemas.microsoft.com/office/2006/metadata/properties" xmlns:xsi="http://www.w3.org/2001/XMLSchema-instance" xmlns:pc="http://schemas.microsoft.com/office/infopath/2007/PartnerControls">
+  <documentManagement>
+    <_ip_UnifiedCompliancePolicyUIAction xmlns="http://schemas.microsoft.com/sharepoint/v3" xsi:nil="true"/>
+    <Image xmlns="71af3243-3dd4-4a8d-8c0d-dd76da1f02a5">
+      <Url xsi:nil="true"/>
+      <Description xsi:nil="true"/>
+    </Image>
+    <Status xmlns="71af3243-3dd4-4a8d-8c0d-dd76da1f02a5">Not started</Status>
+    <_ip_UnifiedCompliancePolicyProperties xmlns="http://schemas.microsoft.com/sharepoint/v3" xsi:nil="true"/>
+    <lcf76f155ced4ddcb4097134ff3c332f xmlns="71af3243-3dd4-4a8d-8c0d-dd76da1f02a5">
+      <Terms xmlns="http://schemas.microsoft.com/office/infopath/2007/PartnerControls"/>
+    </lcf76f155ced4ddcb4097134ff3c332f>
+    <TaxCatchAll xmlns="230e9df3-be65-4c73-a93b-d1236ebd677e"/>
+    <MediaServiceKeyPoints xmlns="71af3243-3dd4-4a8d-8c0d-dd76da1f02a5" xsi:nil="true"/>
+  </documentManagement>
+</p:properties>
+</file>
+
+<file path=customXml/item3.xml><?xml version="1.0" encoding="utf-8"?>
 <ct:contentTypeSchema xmlns:ct="http://schemas.microsoft.com/office/2006/metadata/contentType" xmlns:ma="http://schemas.microsoft.com/office/2006/metadata/properties/metaAttributes" ct:_="" ma:_="" ma:contentTypeName="Document" ma:contentTypeID="0x01010079F111ED35F8CC479449609E8A0923A6" ma:contentTypeVersion="18" ma:contentTypeDescription="Create a new document." ma:contentTypeScope="" ma:versionID="22a266b9fa9a230c5a512669d8b298c3">
   <xsd:schema xmlns:xsd="http://www.w3.org/2001/XMLSchema" xmlns:xs="http://www.w3.org/2001/XMLSchema" xmlns:p="http://schemas.microsoft.com/office/2006/metadata/properties" xmlns:ns1="http://schemas.microsoft.com/sharepoint/v3" xmlns:ns2="71af3243-3dd4-4a8d-8c0d-dd76da1f02a5" xmlns:ns3="16c05727-aa75-4e4a-9b5f-8a80a1165891" xmlns:ns4="230e9df3-be65-4c73-a93b-d1236ebd677e" targetNamespace="http://schemas.microsoft.com/office/2006/metadata/properties" ma:root="true" ma:fieldsID="eddc33fff6b14141ee5c74a0d29ea6a1" ns1:_="" ns2:_="" ns3:_="" ns4:_="">
     <xsd:import namespace="http://schemas.microsoft.com/sharepoint/v3"/>
@@ -16649,35 +17171,27 @@
 </ct:contentTypeSchema>
 </file>
 
-<file path=customXml/item2.xml><?xml version="1.0" encoding="utf-8"?>
-<p:properties xmlns:p="http://schemas.microsoft.com/office/2006/metadata/properties" xmlns:xsi="http://www.w3.org/2001/XMLSchema-instance" xmlns:pc="http://schemas.microsoft.com/office/infopath/2007/PartnerControls">
-  <documentManagement>
-    <_ip_UnifiedCompliancePolicyUIAction xmlns="http://schemas.microsoft.com/sharepoint/v3" xsi:nil="true"/>
-    <Image xmlns="71af3243-3dd4-4a8d-8c0d-dd76da1f02a5">
-      <Url xsi:nil="true"/>
-      <Description xsi:nil="true"/>
-    </Image>
-    <Status xmlns="71af3243-3dd4-4a8d-8c0d-dd76da1f02a5">Not started</Status>
-    <_ip_UnifiedCompliancePolicyProperties xmlns="http://schemas.microsoft.com/sharepoint/v3" xsi:nil="true"/>
-    <lcf76f155ced4ddcb4097134ff3c332f xmlns="71af3243-3dd4-4a8d-8c0d-dd76da1f02a5">
-      <Terms xmlns="http://schemas.microsoft.com/office/infopath/2007/PartnerControls"/>
-    </lcf76f155ced4ddcb4097134ff3c332f>
-    <TaxCatchAll xmlns="230e9df3-be65-4c73-a93b-d1236ebd677e"/>
-    <MediaServiceKeyPoints xmlns="71af3243-3dd4-4a8d-8c0d-dd76da1f02a5" xsi:nil="true"/>
-  </documentManagement>
-</p:properties>
+<file path=customXml/itemProps1.xml><?xml version="1.0" encoding="utf-8"?>
+<ds:datastoreItem xmlns:ds="http://schemas.openxmlformats.org/officeDocument/2006/customXml" ds:itemID="{DF76BC85-9361-4044-951E-1D698143E543}">
+  <ds:schemaRefs>
+    <ds:schemaRef ds:uri="http://schemas.microsoft.com/sharepoint/v3/contenttype/forms"/>
+  </ds:schemaRefs>
+</ds:datastoreItem>
 </file>
 
-<file path=customXml/item3.xml><?xml version="1.0" encoding="utf-8"?>
-<?mso-contentType ?>
-<FormTemplates xmlns="http://schemas.microsoft.com/sharepoint/v3/contenttype/forms">
-  <Display>DocumentLibraryForm</Display>
-  <Edit>DocumentLibraryForm</Edit>
-  <New>DocumentLibraryForm</New>
-</FormTemplates>
+<file path=customXml/itemProps2.xml><?xml version="1.0" encoding="utf-8"?>
+<ds:datastoreItem xmlns:ds="http://schemas.openxmlformats.org/officeDocument/2006/customXml" ds:itemID="{CF128D9D-8887-4AE7-BD39-EBCD268E911A}">
+  <ds:schemaRefs>
+    <ds:schemaRef ds:uri="http://schemas.microsoft.com/office/2006/metadata/properties"/>
+    <ds:schemaRef ds:uri="http://schemas.microsoft.com/office/infopath/2007/PartnerControls"/>
+    <ds:schemaRef ds:uri="http://schemas.microsoft.com/sharepoint/v3"/>
+    <ds:schemaRef ds:uri="71af3243-3dd4-4a8d-8c0d-dd76da1f02a5"/>
+    <ds:schemaRef ds:uri="230e9df3-be65-4c73-a93b-d1236ebd677e"/>
+  </ds:schemaRefs>
+</ds:datastoreItem>
 </file>
 
-<file path=customXml/itemProps1.xml><?xml version="1.0" encoding="utf-8"?>
+<file path=customXml/itemProps3.xml><?xml version="1.0" encoding="utf-8"?>
 <ds:datastoreItem xmlns:ds="http://schemas.openxmlformats.org/officeDocument/2006/customXml" ds:itemID="{5A163FB7-958F-4794-B3EE-EC8933868F09}">
   <ds:schemaRefs>
     <ds:schemaRef ds:uri="http://schemas.microsoft.com/office/2006/metadata/contentType"/>
@@ -16698,26 +17212,6 @@
 </ds:datastoreItem>
 </file>
 
-<file path=customXml/itemProps2.xml><?xml version="1.0" encoding="utf-8"?>
-<ds:datastoreItem xmlns:ds="http://schemas.openxmlformats.org/officeDocument/2006/customXml" ds:itemID="{CF128D9D-8887-4AE7-BD39-EBCD268E911A}">
-  <ds:schemaRefs>
-    <ds:schemaRef ds:uri="http://schemas.microsoft.com/office/2006/metadata/properties"/>
-    <ds:schemaRef ds:uri="http://schemas.microsoft.com/office/infopath/2007/PartnerControls"/>
-    <ds:schemaRef ds:uri="http://schemas.microsoft.com/sharepoint/v3"/>
-    <ds:schemaRef ds:uri="71af3243-3dd4-4a8d-8c0d-dd76da1f02a5"/>
-    <ds:schemaRef ds:uri="230e9df3-be65-4c73-a93b-d1236ebd677e"/>
-  </ds:schemaRefs>
-</ds:datastoreItem>
-</file>
-
-<file path=customXml/itemProps3.xml><?xml version="1.0" encoding="utf-8"?>
-<ds:datastoreItem xmlns:ds="http://schemas.openxmlformats.org/officeDocument/2006/customXml" ds:itemID="{DF76BC85-9361-4044-951E-1D698143E543}">
-  <ds:schemaRefs>
-    <ds:schemaRef ds:uri="http://schemas.microsoft.com/sharepoint/v3/contenttype/forms"/>
-  </ds:schemaRefs>
-</ds:datastoreItem>
-</file>
-
 <file path=docMetadata/LabelInfo.xml><?xml version="1.0" encoding="utf-8"?>
 <clbl:labelList xmlns:clbl="http://schemas.microsoft.com/office/2020/mipLabelMetadata">
   <clbl:label id="{f42aa342-8706-4288-bd11-ebb85995028c}" enabled="1" method="Standard" siteId="{72f988bf-86f1-41af-91ab-2d7cd011db47}" contentBits="0" removed="0"/>

--- a/Presentation/LLM based Document Information Extraction.pptx
+++ b/Presentation/LLM based Document Information Extraction.pptx
@@ -5,10 +5,10 @@
     <p:sldMasterId id="2147483684" r:id="rId4"/>
   </p:sldMasterIdLst>
   <p:notesMasterIdLst>
-    <p:notesMasterId r:id="rId10"/>
+    <p:notesMasterId r:id="rId11"/>
   </p:notesMasterIdLst>
   <p:handoutMasterIdLst>
-    <p:handoutMasterId r:id="rId11"/>
+    <p:handoutMasterId r:id="rId12"/>
   </p:handoutMasterIdLst>
   <p:sldIdLst>
     <p:sldId id="257" r:id="rId5"/>
@@ -16,6 +16,7 @@
     <p:sldId id="384" r:id="rId7"/>
     <p:sldId id="317" r:id="rId8"/>
     <p:sldId id="321" r:id="rId9"/>
+    <p:sldId id="391" r:id="rId10"/>
   </p:sldIdLst>
   <p:sldSz cx="12192000" cy="6858000"/>
   <p:notesSz cx="6858000" cy="9144000"/>
@@ -13467,7 +13468,7 @@
           <a:p>
             <a:r>
               <a:rPr lang="en-US" dirty="0"/>
-              <a:t>Demo</a:t>
+              <a:t>POC Demo</a:t>
             </a:r>
           </a:p>
           <a:p>
@@ -16018,13 +16019,8 @@
             </a:r>
             <a:r>
               <a:rPr lang="en-US" dirty="0"/>
-              <a:t> or less of time and effort.  This demo just took me a few hours, though I’ll be honest and say every software has its own caveats and it won't be as simple as </a:t>
+              <a:t> or less of time and effort.  This demo just took me a few hours, though I’ll be honest and say every software has its own caveats and it won't be as simple as a snap.</a:t>
             </a:r>
-            <a:r>
-              <a:rPr lang="en-US"/>
-              <a:t>a snap.</a:t>
-            </a:r>
-            <a:endParaRPr lang="en-US" dirty="0"/>
           </a:p>
         </p:txBody>
       </p:sp>
@@ -16067,6 +16063,249 @@
     <p:extLst>
       <p:ext uri="{BB962C8B-B14F-4D97-AF65-F5344CB8AC3E}">
         <p14:creationId xmlns:p14="http://schemas.microsoft.com/office/powerpoint/2010/main" val="3521561301"/>
+      </p:ext>
+    </p:extLst>
+  </p:cSld>
+  <p:clrMapOvr>
+    <a:masterClrMapping/>
+  </p:clrMapOvr>
+</p:sld>
+</file>
+
+<file path=ppt/slides/slide6.xml><?xml version="1.0" encoding="utf-8"?>
+<p:sld xmlns:a="http://schemas.openxmlformats.org/drawingml/2006/main" xmlns:r="http://schemas.openxmlformats.org/officeDocument/2006/relationships" xmlns:p="http://schemas.openxmlformats.org/presentationml/2006/main">
+  <p:cSld>
+    <p:spTree>
+      <p:nvGrpSpPr>
+        <p:cNvPr id="1" name=""/>
+        <p:cNvGrpSpPr/>
+        <p:nvPr/>
+      </p:nvGrpSpPr>
+      <p:grpSpPr>
+        <a:xfrm>
+          <a:off x="0" y="0"/>
+          <a:ext cx="0" cy="0"/>
+          <a:chOff x="0" y="0"/>
+          <a:chExt cx="0" cy="0"/>
+        </a:xfrm>
+      </p:grpSpPr>
+      <p:sp>
+        <p:nvSpPr>
+          <p:cNvPr id="22" name="Title 21">
+            <a:extLst>
+              <a:ext uri="{FF2B5EF4-FFF2-40B4-BE49-F238E27FC236}">
+                <a16:creationId xmlns:a16="http://schemas.microsoft.com/office/drawing/2014/main" id="{F8FAEED9-1ECD-45F9-87A0-9394BAEABB79}"/>
+              </a:ext>
+            </a:extLst>
+          </p:cNvPr>
+          <p:cNvSpPr>
+            <a:spLocks noGrp="1"/>
+          </p:cNvSpPr>
+          <p:nvPr>
+            <p:ph type="ctrTitle"/>
+          </p:nvPr>
+        </p:nvSpPr>
+        <p:spPr>
+          <a:xfrm>
+            <a:off x="335106" y="1027415"/>
+            <a:ext cx="5437187" cy="853954"/>
+          </a:xfrm>
+        </p:spPr>
+        <p:txBody>
+          <a:bodyPr/>
+          <a:lstStyle/>
+          <a:p>
+            <a:r>
+              <a:rPr lang="en-US" dirty="0"/>
+              <a:t>Thank You</a:t>
+            </a:r>
+          </a:p>
+        </p:txBody>
+      </p:sp>
+      <p:sp>
+        <p:nvSpPr>
+          <p:cNvPr id="23" name="Subtitle 22">
+            <a:extLst>
+              <a:ext uri="{FF2B5EF4-FFF2-40B4-BE49-F238E27FC236}">
+                <a16:creationId xmlns:a16="http://schemas.microsoft.com/office/drawing/2014/main" id="{8E5E4638-9BCB-4C2E-914F-CC868E2020D5}"/>
+              </a:ext>
+            </a:extLst>
+          </p:cNvPr>
+          <p:cNvSpPr>
+            <a:spLocks noGrp="1"/>
+          </p:cNvSpPr>
+          <p:nvPr>
+            <p:ph type="subTitle" idx="1"/>
+          </p:nvPr>
+        </p:nvSpPr>
+        <p:spPr>
+          <a:xfrm>
+            <a:off x="243974" y="4044144"/>
+            <a:ext cx="6312274" cy="2265216"/>
+          </a:xfrm>
+        </p:spPr>
+        <p:txBody>
+          <a:bodyPr/>
+          <a:lstStyle/>
+          <a:p>
+            <a:r>
+              <a:rPr lang="en-US" sz="1800" dirty="0"/>
+              <a:t>GIT Repo:  </a:t>
+            </a:r>
+            <a:r>
+              <a:rPr lang="en-US" sz="1800" dirty="0">
+                <a:hlinkClick r:id="rId2"/>
+              </a:rPr>
+              <a:t>https://github.com/ashz30/LLMDocumentReading</a:t>
+            </a:r>
+            <a:endParaRPr lang="en-US" sz="1800" dirty="0"/>
+          </a:p>
+          <a:p>
+            <a:r>
+              <a:rPr lang="en-US" sz="1800" dirty="0" err="1"/>
+              <a:t>Linkedin</a:t>
+            </a:r>
+            <a:r>
+              <a:rPr lang="en-US" sz="1800" dirty="0"/>
+              <a:t>: </a:t>
+            </a:r>
+            <a:r>
+              <a:rPr lang="en-US" sz="1800" dirty="0">
+                <a:hlinkClick r:id="rId3"/>
+              </a:rPr>
+              <a:t>https://www.linkedin.com/in/ashz30/</a:t>
+            </a:r>
+            <a:endParaRPr lang="en-US" sz="1800" dirty="0"/>
+          </a:p>
+          <a:p>
+            <a:r>
+              <a:rPr lang="en-US" sz="1800" dirty="0" err="1"/>
+              <a:t>Youtube</a:t>
+            </a:r>
+            <a:r>
+              <a:rPr lang="en-US" sz="1800" dirty="0"/>
+              <a:t> : </a:t>
+            </a:r>
+            <a:r>
+              <a:rPr lang="en-US" sz="1800" dirty="0">
+                <a:hlinkClick r:id="rId4"/>
+              </a:rPr>
+              <a:t>https://www.youtube.com/@ashz31</a:t>
+            </a:r>
+            <a:endParaRPr lang="en-US" sz="1800" dirty="0"/>
+          </a:p>
+          <a:p>
+            <a:endParaRPr lang="en-US" dirty="0"/>
+          </a:p>
+        </p:txBody>
+      </p:sp>
+      <p:pic>
+        <p:nvPicPr>
+          <p:cNvPr id="27" name="Picture Placeholder 26" descr="Data Points Digital background">
+            <a:extLst>
+              <a:ext uri="{FF2B5EF4-FFF2-40B4-BE49-F238E27FC236}">
+                <a16:creationId xmlns:a16="http://schemas.microsoft.com/office/drawing/2014/main" id="{9E660784-34E2-4CDA-926A-DDD6AAF35046}"/>
+              </a:ext>
+            </a:extLst>
+          </p:cNvPr>
+          <p:cNvPicPr>
+            <a:picLocks noGrp="1" noChangeAspect="1"/>
+          </p:cNvPicPr>
+          <p:nvPr>
+            <p:ph type="pic" sz="quarter" idx="15"/>
+          </p:nvPr>
+        </p:nvPicPr>
+        <p:blipFill rotWithShape="1">
+          <a:blip r:embed="rId5" cstate="screen">
+            <a:extLst>
+              <a:ext uri="{28A0092B-C50C-407E-A947-70E740481C1C}">
+                <a14:useLocalDpi xmlns:a14="http://schemas.microsoft.com/office/drawing/2010/main" val="0"/>
+              </a:ext>
+            </a:extLst>
+          </a:blip>
+          <a:srcRect/>
+          <a:stretch/>
+        </p:blipFill>
+        <p:spPr>
+          <a:xfrm>
+            <a:off x="6556248" y="548640"/>
+            <a:ext cx="5084064" cy="2880360"/>
+          </a:xfrm>
+        </p:spPr>
+      </p:pic>
+      <p:pic>
+        <p:nvPicPr>
+          <p:cNvPr id="33" name="Picture Placeholder 32" descr="Data Points Digital background">
+            <a:extLst>
+              <a:ext uri="{FF2B5EF4-FFF2-40B4-BE49-F238E27FC236}">
+                <a16:creationId xmlns:a16="http://schemas.microsoft.com/office/drawing/2014/main" id="{48106962-23C6-4DFE-BB3A-E5FFF03F38CE}"/>
+              </a:ext>
+            </a:extLst>
+          </p:cNvPr>
+          <p:cNvPicPr>
+            <a:picLocks noGrp="1" noChangeAspect="1"/>
+          </p:cNvPicPr>
+          <p:nvPr>
+            <p:ph type="pic" sz="quarter" idx="16"/>
+          </p:nvPr>
+        </p:nvPicPr>
+        <p:blipFill rotWithShape="1">
+          <a:blip r:embed="rId6" cstate="screen">
+            <a:extLst>
+              <a:ext uri="{28A0092B-C50C-407E-A947-70E740481C1C}">
+                <a14:useLocalDpi xmlns:a14="http://schemas.microsoft.com/office/drawing/2010/main" val="0"/>
+              </a:ext>
+            </a:extLst>
+          </a:blip>
+          <a:srcRect/>
+          <a:stretch/>
+        </p:blipFill>
+        <p:spPr>
+          <a:xfrm>
+            <a:off x="6556248" y="3429000"/>
+            <a:ext cx="5084064" cy="2880360"/>
+          </a:xfrm>
+        </p:spPr>
+      </p:pic>
+      <p:sp>
+        <p:nvSpPr>
+          <p:cNvPr id="6" name="Slide Number Placeholder 5">
+            <a:extLst>
+              <a:ext uri="{FF2B5EF4-FFF2-40B4-BE49-F238E27FC236}">
+                <a16:creationId xmlns:a16="http://schemas.microsoft.com/office/drawing/2014/main" id="{36E60F23-FB58-4EF8-82FD-E86CED25FDD4}"/>
+              </a:ext>
+            </a:extLst>
+          </p:cNvPr>
+          <p:cNvSpPr>
+            <a:spLocks noGrp="1"/>
+          </p:cNvSpPr>
+          <p:nvPr>
+            <p:ph type="sldNum" sz="quarter" idx="12"/>
+          </p:nvPr>
+        </p:nvSpPr>
+        <p:spPr>
+          <a:xfrm>
+            <a:off x="9948863" y="6507212"/>
+            <a:ext cx="1692274" cy="153888"/>
+          </a:xfrm>
+        </p:spPr>
+        <p:txBody>
+          <a:bodyPr/>
+          <a:lstStyle/>
+          <a:p>
+            <a:fld id="{DBA1B0FB-D917-4C8C-928F-313BD683BF39}" type="slidenum">
+              <a:rPr lang="en-US" smtClean="0"/>
+              <a:pPr/>
+              <a:t>6</a:t>
+            </a:fld>
+            <a:endParaRPr lang="en-US"/>
+          </a:p>
+        </p:txBody>
+      </p:sp>
+    </p:spTree>
+    <p:extLst>
+      <p:ext uri="{BB962C8B-B14F-4D97-AF65-F5344CB8AC3E}">
+        <p14:creationId xmlns:p14="http://schemas.microsoft.com/office/powerpoint/2010/main" val="3247798845"/>
       </p:ext>
     </p:extLst>
   </p:cSld>
@@ -16877,25 +17116,6 @@
 </file>
 
 <file path=customXml/item2.xml><?xml version="1.0" encoding="utf-8"?>
-<p:properties xmlns:p="http://schemas.microsoft.com/office/2006/metadata/properties" xmlns:xsi="http://www.w3.org/2001/XMLSchema-instance" xmlns:pc="http://schemas.microsoft.com/office/infopath/2007/PartnerControls">
-  <documentManagement>
-    <_ip_UnifiedCompliancePolicyUIAction xmlns="http://schemas.microsoft.com/sharepoint/v3" xsi:nil="true"/>
-    <Image xmlns="71af3243-3dd4-4a8d-8c0d-dd76da1f02a5">
-      <Url xsi:nil="true"/>
-      <Description xsi:nil="true"/>
-    </Image>
-    <Status xmlns="71af3243-3dd4-4a8d-8c0d-dd76da1f02a5">Not started</Status>
-    <_ip_UnifiedCompliancePolicyProperties xmlns="http://schemas.microsoft.com/sharepoint/v3" xsi:nil="true"/>
-    <lcf76f155ced4ddcb4097134ff3c332f xmlns="71af3243-3dd4-4a8d-8c0d-dd76da1f02a5">
-      <Terms xmlns="http://schemas.microsoft.com/office/infopath/2007/PartnerControls"/>
-    </lcf76f155ced4ddcb4097134ff3c332f>
-    <TaxCatchAll xmlns="230e9df3-be65-4c73-a93b-d1236ebd677e"/>
-    <MediaServiceKeyPoints xmlns="71af3243-3dd4-4a8d-8c0d-dd76da1f02a5" xsi:nil="true"/>
-  </documentManagement>
-</p:properties>
-</file>
-
-<file path=customXml/item3.xml><?xml version="1.0" encoding="utf-8"?>
 <ct:contentTypeSchema xmlns:ct="http://schemas.microsoft.com/office/2006/metadata/contentType" xmlns:ma="http://schemas.microsoft.com/office/2006/metadata/properties/metaAttributes" ct:_="" ma:_="" ma:contentTypeName="Document" ma:contentTypeID="0x01010079F111ED35F8CC479449609E8A0923A6" ma:contentTypeVersion="18" ma:contentTypeDescription="Create a new document." ma:contentTypeScope="" ma:versionID="22a266b9fa9a230c5a512669d8b298c3">
   <xsd:schema xmlns:xsd="http://www.w3.org/2001/XMLSchema" xmlns:xs="http://www.w3.org/2001/XMLSchema" xmlns:p="http://schemas.microsoft.com/office/2006/metadata/properties" xmlns:ns1="http://schemas.microsoft.com/sharepoint/v3" xmlns:ns2="71af3243-3dd4-4a8d-8c0d-dd76da1f02a5" xmlns:ns3="16c05727-aa75-4e4a-9b5f-8a80a1165891" xmlns:ns4="230e9df3-be65-4c73-a93b-d1236ebd677e" targetNamespace="http://schemas.microsoft.com/office/2006/metadata/properties" ma:root="true" ma:fieldsID="eddc33fff6b14141ee5c74a0d29ea6a1" ns1:_="" ns2:_="" ns3:_="" ns4:_="">
     <xsd:import namespace="http://schemas.microsoft.com/sharepoint/v3"/>
@@ -17171,6 +17391,25 @@
 </ct:contentTypeSchema>
 </file>
 
+<file path=customXml/item3.xml><?xml version="1.0" encoding="utf-8"?>
+<p:properties xmlns:p="http://schemas.microsoft.com/office/2006/metadata/properties" xmlns:xsi="http://www.w3.org/2001/XMLSchema-instance" xmlns:pc="http://schemas.microsoft.com/office/infopath/2007/PartnerControls">
+  <documentManagement>
+    <_ip_UnifiedCompliancePolicyUIAction xmlns="http://schemas.microsoft.com/sharepoint/v3" xsi:nil="true"/>
+    <Image xmlns="71af3243-3dd4-4a8d-8c0d-dd76da1f02a5">
+      <Url xsi:nil="true"/>
+      <Description xsi:nil="true"/>
+    </Image>
+    <Status xmlns="71af3243-3dd4-4a8d-8c0d-dd76da1f02a5">Not started</Status>
+    <_ip_UnifiedCompliancePolicyProperties xmlns="http://schemas.microsoft.com/sharepoint/v3" xsi:nil="true"/>
+    <lcf76f155ced4ddcb4097134ff3c332f xmlns="71af3243-3dd4-4a8d-8c0d-dd76da1f02a5">
+      <Terms xmlns="http://schemas.microsoft.com/office/infopath/2007/PartnerControls"/>
+    </lcf76f155ced4ddcb4097134ff3c332f>
+    <TaxCatchAll xmlns="230e9df3-be65-4c73-a93b-d1236ebd677e"/>
+    <MediaServiceKeyPoints xmlns="71af3243-3dd4-4a8d-8c0d-dd76da1f02a5" xsi:nil="true"/>
+  </documentManagement>
+</p:properties>
+</file>
+
 <file path=customXml/itemProps1.xml><?xml version="1.0" encoding="utf-8"?>
 <ds:datastoreItem xmlns:ds="http://schemas.openxmlformats.org/officeDocument/2006/customXml" ds:itemID="{DF76BC85-9361-4044-951E-1D698143E543}">
   <ds:schemaRefs>
@@ -17180,18 +17419,6 @@
 </file>
 
 <file path=customXml/itemProps2.xml><?xml version="1.0" encoding="utf-8"?>
-<ds:datastoreItem xmlns:ds="http://schemas.openxmlformats.org/officeDocument/2006/customXml" ds:itemID="{CF128D9D-8887-4AE7-BD39-EBCD268E911A}">
-  <ds:schemaRefs>
-    <ds:schemaRef ds:uri="http://schemas.microsoft.com/office/2006/metadata/properties"/>
-    <ds:schemaRef ds:uri="http://schemas.microsoft.com/office/infopath/2007/PartnerControls"/>
-    <ds:schemaRef ds:uri="http://schemas.microsoft.com/sharepoint/v3"/>
-    <ds:schemaRef ds:uri="71af3243-3dd4-4a8d-8c0d-dd76da1f02a5"/>
-    <ds:schemaRef ds:uri="230e9df3-be65-4c73-a93b-d1236ebd677e"/>
-  </ds:schemaRefs>
-</ds:datastoreItem>
-</file>
-
-<file path=customXml/itemProps3.xml><?xml version="1.0" encoding="utf-8"?>
 <ds:datastoreItem xmlns:ds="http://schemas.openxmlformats.org/officeDocument/2006/customXml" ds:itemID="{5A163FB7-958F-4794-B3EE-EC8933868F09}">
   <ds:schemaRefs>
     <ds:schemaRef ds:uri="http://schemas.microsoft.com/office/2006/metadata/contentType"/>
@@ -17212,6 +17439,18 @@
 </ds:datastoreItem>
 </file>
 
+<file path=customXml/itemProps3.xml><?xml version="1.0" encoding="utf-8"?>
+<ds:datastoreItem xmlns:ds="http://schemas.openxmlformats.org/officeDocument/2006/customXml" ds:itemID="{CF128D9D-8887-4AE7-BD39-EBCD268E911A}">
+  <ds:schemaRefs>
+    <ds:schemaRef ds:uri="http://schemas.microsoft.com/office/2006/metadata/properties"/>
+    <ds:schemaRef ds:uri="http://schemas.microsoft.com/office/infopath/2007/PartnerControls"/>
+    <ds:schemaRef ds:uri="http://schemas.microsoft.com/sharepoint/v3"/>
+    <ds:schemaRef ds:uri="71af3243-3dd4-4a8d-8c0d-dd76da1f02a5"/>
+    <ds:schemaRef ds:uri="230e9df3-be65-4c73-a93b-d1236ebd677e"/>
+  </ds:schemaRefs>
+</ds:datastoreItem>
+</file>
+
 <file path=docMetadata/LabelInfo.xml><?xml version="1.0" encoding="utf-8"?>
 <clbl:labelList xmlns:clbl="http://schemas.microsoft.com/office/2020/mipLabelMetadata">
   <clbl:label id="{f42aa342-8706-4288-bd11-ebb85995028c}" enabled="1" method="Standard" siteId="{72f988bf-86f1-41af-91ab-2d7cd011db47}" contentBits="0" removed="0"/>

--- a/Presentation/LLM based Document Information Extraction.pptx
+++ b/Presentation/LLM based Document Information Extraction.pptx
@@ -5,18 +5,17 @@
     <p:sldMasterId id="2147483684" r:id="rId4"/>
   </p:sldMasterIdLst>
   <p:notesMasterIdLst>
-    <p:notesMasterId r:id="rId11"/>
+    <p:notesMasterId r:id="rId10"/>
   </p:notesMasterIdLst>
   <p:handoutMasterIdLst>
-    <p:handoutMasterId r:id="rId12"/>
+    <p:handoutMasterId r:id="rId11"/>
   </p:handoutMasterIdLst>
   <p:sldIdLst>
     <p:sldId id="257" r:id="rId5"/>
-    <p:sldId id="389" r:id="rId6"/>
-    <p:sldId id="384" r:id="rId7"/>
-    <p:sldId id="317" r:id="rId8"/>
-    <p:sldId id="321" r:id="rId9"/>
-    <p:sldId id="391" r:id="rId10"/>
+    <p:sldId id="384" r:id="rId6"/>
+    <p:sldId id="317" r:id="rId7"/>
+    <p:sldId id="321" r:id="rId8"/>
+    <p:sldId id="391" r:id="rId9"/>
   </p:sldIdLst>
   <p:sldSz cx="12192000" cy="6858000"/>
   <p:notesSz cx="6858000" cy="9144000"/>
@@ -719,6 +718,40 @@
           <a:bodyPr/>
           <a:lstStyle/>
           <a:p>
+            <a:r>
+              <a:rPr lang="en-US" b="0" i="0" dirty="0">
+                <a:solidFill>
+                  <a:srgbClr val="374151"/>
+                </a:solidFill>
+                <a:effectLst/>
+                <a:latin typeface="Söhne"/>
+              </a:rPr>
+              <a:t>As businesses grapple with vast amounts of unstructured data locked within PDF documents, the need for a solution that not only reads but truly understands the content is paramount. Traditional Optical Character Recognition (OCR) systems, while proficient at recognizing text, often fall short when it comes to deciphering the nuances of complex document structures. This is where LLMs step in to take the lead.</a:t>
+            </a:r>
+          </a:p>
+          <a:p>
+            <a:endParaRPr lang="en-US" b="0" i="0" dirty="0">
+              <a:solidFill>
+                <a:srgbClr val="374151"/>
+              </a:solidFill>
+              <a:effectLst/>
+              <a:latin typeface="Söhne"/>
+            </a:endParaRPr>
+          </a:p>
+          <a:p>
+            <a:r>
+              <a:rPr lang="en-US" b="0" i="0" dirty="0">
+                <a:solidFill>
+                  <a:srgbClr val="374151"/>
+                </a:solidFill>
+                <a:effectLst/>
+                <a:latin typeface="Söhne"/>
+              </a:rPr>
+              <a:t>Imagine a scenario where every document, regardless of its complexity, is effortlessly translated into a structured JSON format, preserving the integrity of the data while making it infinitely more accessible and usable. This demo showcases precisely that capability.</a:t>
+            </a:r>
+            <a:endParaRPr lang="en-US" dirty="0"/>
+          </a:p>
+          <a:p>
             <a:endParaRPr lang="en-US" dirty="0"/>
           </a:p>
         </p:txBody>
@@ -832,8 +865,21 @@
                 <a:effectLst/>
                 <a:latin typeface="Söhne"/>
               </a:rPr>
-              <a:t>Imagine a scenario where every document, regardless of its complexity, is effortlessly translated into a structured JSON format, preserving the integrity of the data while making it infinitely more accessible and usable. This demo showcases precisely that capability.</a:t>
+              <a:t>Imagine a scenario where every document, regardless of its complexity, is effortlessly translated into a structured JSON format, preserving the integrity of the data while making it infinitely more accessible and usable. </a:t>
             </a:r>
+            <a:r>
+              <a:rPr lang="en-US" b="0" i="0">
+                <a:solidFill>
+                  <a:srgbClr val="374151"/>
+                </a:solidFill>
+                <a:effectLst/>
+                <a:latin typeface="Söhne"/>
+              </a:rPr>
+              <a:t>This demo showcases precisely that capability.</a:t>
+            </a:r>
+            <a:endParaRPr lang="en-US"/>
+          </a:p>
+          <a:p>
             <a:endParaRPr lang="en-US" dirty="0"/>
           </a:p>
         </p:txBody>
@@ -855,7 +901,7 @@
           <a:p>
             <a:fld id="{1983A999-5E0E-42CA-8400-604AE921FF7C}" type="slidenum">
               <a:rPr lang="en-US" smtClean="0"/>
-              <a:t>3</a:t>
+              <a:t>2</a:t>
             </a:fld>
             <a:endParaRPr lang="en-US"/>
           </a:p>
@@ -1000,7 +1046,7 @@
           <a:p>
             <a:fld id="{1983A999-5E0E-42CA-8400-604AE921FF7C}" type="slidenum">
               <a:rPr lang="en-US" smtClean="0"/>
-              <a:t>4</a:t>
+              <a:t>3</a:t>
             </a:fld>
             <a:endParaRPr lang="en-US"/>
           </a:p>
@@ -1148,7 +1194,7 @@
           <a:p>
             <a:fld id="{1983A999-5E0E-42CA-8400-604AE921FF7C}" type="slidenum">
               <a:rPr lang="en-US" smtClean="0"/>
-              <a:t>5</a:t>
+              <a:t>4</a:t>
             </a:fld>
             <a:endParaRPr lang="en-US"/>
           </a:p>
@@ -13397,260 +13443,6 @@
       </p:grpSpPr>
       <p:sp>
         <p:nvSpPr>
-          <p:cNvPr id="2" name="Title 1">
-            <a:extLst>
-              <a:ext uri="{FF2B5EF4-FFF2-40B4-BE49-F238E27FC236}">
-                <a16:creationId xmlns:a16="http://schemas.microsoft.com/office/drawing/2014/main" id="{0046426E-F6F6-4A7C-9181-8C3090996261}"/>
-              </a:ext>
-            </a:extLst>
-          </p:cNvPr>
-          <p:cNvSpPr>
-            <a:spLocks noGrp="1"/>
-          </p:cNvSpPr>
-          <p:nvPr>
-            <p:ph type="title"/>
-          </p:nvPr>
-        </p:nvSpPr>
-        <p:spPr>
-          <a:xfrm>
-            <a:off x="550864" y="549275"/>
-            <a:ext cx="3565524" cy="1997855"/>
-          </a:xfrm>
-        </p:spPr>
-        <p:txBody>
-          <a:bodyPr/>
-          <a:lstStyle/>
-          <a:p>
-            <a:r>
-              <a:rPr lang="en-US" dirty="0"/>
-              <a:t>Agenda</a:t>
-            </a:r>
-          </a:p>
-        </p:txBody>
-      </p:sp>
-      <p:sp>
-        <p:nvSpPr>
-          <p:cNvPr id="3" name="Content Placeholder 2">
-            <a:extLst>
-              <a:ext uri="{FF2B5EF4-FFF2-40B4-BE49-F238E27FC236}">
-                <a16:creationId xmlns:a16="http://schemas.microsoft.com/office/drawing/2014/main" id="{D3B60D6F-4D0F-4D33-B2A7-159C8583FF00}"/>
-              </a:ext>
-            </a:extLst>
-          </p:cNvPr>
-          <p:cNvSpPr>
-            <a:spLocks noGrp="1"/>
-          </p:cNvSpPr>
-          <p:nvPr>
-            <p:ph idx="1"/>
-          </p:nvPr>
-        </p:nvSpPr>
-        <p:spPr>
-          <a:xfrm>
-            <a:off x="550863" y="2677306"/>
-            <a:ext cx="3565525" cy="3415519"/>
-          </a:xfrm>
-        </p:spPr>
-        <p:txBody>
-          <a:bodyPr/>
-          <a:lstStyle/>
-          <a:p>
-            <a:r>
-              <a:rPr lang="en-US" dirty="0"/>
-              <a:t>Introduction</a:t>
-            </a:r>
-          </a:p>
-          <a:p>
-            <a:r>
-              <a:rPr lang="en-US" dirty="0"/>
-              <a:t>Design</a:t>
-            </a:r>
-          </a:p>
-          <a:p>
-            <a:r>
-              <a:rPr lang="en-US" dirty="0"/>
-              <a:t>POC Demo</a:t>
-            </a:r>
-          </a:p>
-          <a:p>
-            <a:r>
-              <a:rPr lang="en-US" dirty="0"/>
-              <a:t>Conclusion</a:t>
-            </a:r>
-          </a:p>
-          <a:p>
-            <a:endParaRPr lang="en-US" dirty="0"/>
-          </a:p>
-        </p:txBody>
-      </p:sp>
-      <p:pic>
-        <p:nvPicPr>
-          <p:cNvPr id="8" name="Picture Placeholder 7" descr="Digital Data">
-            <a:extLst>
-              <a:ext uri="{FF2B5EF4-FFF2-40B4-BE49-F238E27FC236}">
-                <a16:creationId xmlns:a16="http://schemas.microsoft.com/office/drawing/2014/main" id="{06D2324F-3B7B-45EF-9584-C8EADD2C8C0B}"/>
-              </a:ext>
-            </a:extLst>
-          </p:cNvPr>
-          <p:cNvPicPr>
-            <a:picLocks noGrp="1" noChangeAspect="1"/>
-          </p:cNvPicPr>
-          <p:nvPr>
-            <p:ph type="pic" sz="quarter" idx="13"/>
-          </p:nvPr>
-        </p:nvPicPr>
-        <p:blipFill rotWithShape="1">
-          <a:blip r:embed="rId2" cstate="screen">
-            <a:extLst>
-              <a:ext uri="{28A0092B-C50C-407E-A947-70E740481C1C}">
-                <a14:useLocalDpi xmlns:a14="http://schemas.microsoft.com/office/drawing/2010/main" val="0"/>
-              </a:ext>
-            </a:extLst>
-          </a:blip>
-          <a:srcRect/>
-          <a:stretch/>
-        </p:blipFill>
-        <p:spPr>
-          <a:xfrm>
-            <a:off x="5208928" y="1596771"/>
-            <a:ext cx="3448558" cy="3448558"/>
-          </a:xfrm>
-        </p:spPr>
-      </p:pic>
-      <p:pic>
-        <p:nvPicPr>
-          <p:cNvPr id="10" name="Picture Placeholder 9" descr="Data Points ">
-            <a:extLst>
-              <a:ext uri="{FF2B5EF4-FFF2-40B4-BE49-F238E27FC236}">
-                <a16:creationId xmlns:a16="http://schemas.microsoft.com/office/drawing/2014/main" id="{71F862F9-0E8A-4DB9-8083-1C3AA6E5D777}"/>
-              </a:ext>
-            </a:extLst>
-          </p:cNvPr>
-          <p:cNvPicPr>
-            <a:picLocks noGrp="1" noChangeAspect="1"/>
-          </p:cNvPicPr>
-          <p:nvPr>
-            <p:ph type="pic" sz="quarter" idx="14"/>
-          </p:nvPr>
-        </p:nvPicPr>
-        <p:blipFill rotWithShape="1">
-          <a:blip r:embed="rId3" cstate="screen">
-            <a:extLst>
-              <a:ext uri="{28A0092B-C50C-407E-A947-70E740481C1C}">
-                <a14:useLocalDpi xmlns:a14="http://schemas.microsoft.com/office/drawing/2010/main" val="0"/>
-              </a:ext>
-            </a:extLst>
-          </a:blip>
-          <a:srcRect/>
-          <a:stretch/>
-        </p:blipFill>
-        <p:spPr>
-          <a:xfrm>
-            <a:off x="8918575" y="596392"/>
-            <a:ext cx="2263776" cy="2263776"/>
-          </a:xfrm>
-        </p:spPr>
-      </p:pic>
-      <p:pic>
-        <p:nvPicPr>
-          <p:cNvPr id="12" name="Picture Placeholder 11" descr="Data Background">
-            <a:extLst>
-              <a:ext uri="{FF2B5EF4-FFF2-40B4-BE49-F238E27FC236}">
-                <a16:creationId xmlns:a16="http://schemas.microsoft.com/office/drawing/2014/main" id="{A63F39B9-0715-40B5-8ECB-9B983F99C690}"/>
-              </a:ext>
-            </a:extLst>
-          </p:cNvPr>
-          <p:cNvPicPr>
-            <a:picLocks noGrp="1" noChangeAspect="1"/>
-          </p:cNvPicPr>
-          <p:nvPr>
-            <p:ph type="pic" sz="quarter" idx="15"/>
-          </p:nvPr>
-        </p:nvPicPr>
-        <p:blipFill rotWithShape="1">
-          <a:blip r:embed="rId4" cstate="screen">
-            <a:extLst>
-              <a:ext uri="{28A0092B-C50C-407E-A947-70E740481C1C}">
-                <a14:useLocalDpi xmlns:a14="http://schemas.microsoft.com/office/drawing/2010/main" val="0"/>
-              </a:ext>
-            </a:extLst>
-          </a:blip>
-          <a:srcRect/>
-          <a:stretch/>
-        </p:blipFill>
-        <p:spPr>
-          <a:xfrm>
-            <a:off x="9091612" y="3324733"/>
-            <a:ext cx="2936876" cy="2936876"/>
-          </a:xfrm>
-        </p:spPr>
-      </p:pic>
-      <p:sp>
-        <p:nvSpPr>
-          <p:cNvPr id="15" name="Slide Number Placeholder 14">
-            <a:extLst>
-              <a:ext uri="{FF2B5EF4-FFF2-40B4-BE49-F238E27FC236}">
-                <a16:creationId xmlns:a16="http://schemas.microsoft.com/office/drawing/2014/main" id="{3B199C97-F175-437D-8311-DB662925C063}"/>
-              </a:ext>
-            </a:extLst>
-          </p:cNvPr>
-          <p:cNvSpPr>
-            <a:spLocks noGrp="1"/>
-          </p:cNvSpPr>
-          <p:nvPr>
-            <p:ph type="sldNum" sz="quarter" idx="12"/>
-          </p:nvPr>
-        </p:nvSpPr>
-        <p:spPr>
-          <a:xfrm>
-            <a:off x="9948863" y="6507212"/>
-            <a:ext cx="1692274" cy="153888"/>
-          </a:xfrm>
-        </p:spPr>
-        <p:txBody>
-          <a:bodyPr/>
-          <a:lstStyle/>
-          <a:p>
-            <a:fld id="{DBA1B0FB-D917-4C8C-928F-313BD683BF39}" type="slidenum">
-              <a:rPr lang="en-US" smtClean="0"/>
-              <a:pPr/>
-              <a:t>2</a:t>
-            </a:fld>
-            <a:endParaRPr lang="en-US"/>
-          </a:p>
-        </p:txBody>
-      </p:sp>
-    </p:spTree>
-    <p:extLst>
-      <p:ext uri="{BB962C8B-B14F-4D97-AF65-F5344CB8AC3E}">
-        <p14:creationId xmlns:p14="http://schemas.microsoft.com/office/powerpoint/2010/main" val="2313234867"/>
-      </p:ext>
-    </p:extLst>
-  </p:cSld>
-  <p:clrMapOvr>
-    <a:masterClrMapping/>
-  </p:clrMapOvr>
-</p:sld>
-</file>
-
-<file path=ppt/slides/slide3.xml><?xml version="1.0" encoding="utf-8"?>
-<p:sld xmlns:a="http://schemas.openxmlformats.org/drawingml/2006/main" xmlns:r="http://schemas.openxmlformats.org/officeDocument/2006/relationships" xmlns:p="http://schemas.openxmlformats.org/presentationml/2006/main">
-  <p:cSld>
-    <p:spTree>
-      <p:nvGrpSpPr>
-        <p:cNvPr id="1" name=""/>
-        <p:cNvGrpSpPr/>
-        <p:nvPr/>
-      </p:nvGrpSpPr>
-      <p:grpSpPr>
-        <a:xfrm>
-          <a:off x="0" y="0"/>
-          <a:ext cx="0" cy="0"/>
-          <a:chOff x="0" y="0"/>
-          <a:chExt cx="0" cy="0"/>
-        </a:xfrm>
-      </p:grpSpPr>
-      <p:sp>
-        <p:nvSpPr>
           <p:cNvPr id="11" name="Title 10">
             <a:extLst>
               <a:ext uri="{FF2B5EF4-FFF2-40B4-BE49-F238E27FC236}">
@@ -13894,7 +13686,7 @@
             <a:fld id="{DBA1B0FB-D917-4C8C-928F-313BD683BF39}" type="slidenum">
               <a:rPr lang="en-US" smtClean="0"/>
               <a:pPr/>
-              <a:t>3</a:t>
+              <a:t>2</a:t>
             </a:fld>
             <a:endParaRPr lang="en-US"/>
           </a:p>
@@ -13913,7 +13705,7 @@
 </p:sld>
 </file>
 
-<file path=ppt/slides/slide4.xml><?xml version="1.0" encoding="utf-8"?>
+<file path=ppt/slides/slide3.xml><?xml version="1.0" encoding="utf-8"?>
 <p:sld xmlns:a="http://schemas.openxmlformats.org/drawingml/2006/main" xmlns:r="http://schemas.openxmlformats.org/officeDocument/2006/relationships" xmlns:p="http://schemas.openxmlformats.org/presentationml/2006/main">
   <p:cSld>
     <p:bg>
@@ -15897,6 +15689,181 @@
 </p:sld>
 </file>
 
+<file path=ppt/slides/slide4.xml><?xml version="1.0" encoding="utf-8"?>
+<p:sld xmlns:a="http://schemas.openxmlformats.org/drawingml/2006/main" xmlns:r="http://schemas.openxmlformats.org/officeDocument/2006/relationships" xmlns:p="http://schemas.openxmlformats.org/presentationml/2006/main">
+  <p:cSld>
+    <p:spTree>
+      <p:nvGrpSpPr>
+        <p:cNvPr id="1" name=""/>
+        <p:cNvGrpSpPr/>
+        <p:nvPr/>
+      </p:nvGrpSpPr>
+      <p:grpSpPr>
+        <a:xfrm>
+          <a:off x="0" y="0"/>
+          <a:ext cx="0" cy="0"/>
+          <a:chOff x="0" y="0"/>
+          <a:chExt cx="0" cy="0"/>
+        </a:xfrm>
+      </p:grpSpPr>
+      <p:sp>
+        <p:nvSpPr>
+          <p:cNvPr id="11" name="Title 10">
+            <a:extLst>
+              <a:ext uri="{FF2B5EF4-FFF2-40B4-BE49-F238E27FC236}">
+                <a16:creationId xmlns:a16="http://schemas.microsoft.com/office/drawing/2014/main" id="{581E8936-2270-47FE-94A4-398CB123EF90}"/>
+              </a:ext>
+            </a:extLst>
+          </p:cNvPr>
+          <p:cNvSpPr>
+            <a:spLocks noGrp="1"/>
+          </p:cNvSpPr>
+          <p:nvPr>
+            <p:ph type="title"/>
+          </p:nvPr>
+        </p:nvSpPr>
+        <p:spPr>
+          <a:xfrm>
+            <a:off x="225042" y="4838811"/>
+            <a:ext cx="4500562" cy="1562959"/>
+          </a:xfrm>
+        </p:spPr>
+        <p:txBody>
+          <a:bodyPr/>
+          <a:lstStyle/>
+          <a:p>
+            <a:r>
+              <a:rPr lang="en-US" dirty="0"/>
+              <a:t>Conclusion</a:t>
+            </a:r>
+          </a:p>
+        </p:txBody>
+      </p:sp>
+      <p:pic>
+        <p:nvPicPr>
+          <p:cNvPr id="16" name="Picture Placeholder 15" descr="Data Points Digital background">
+            <a:extLst>
+              <a:ext uri="{FF2B5EF4-FFF2-40B4-BE49-F238E27FC236}">
+                <a16:creationId xmlns:a16="http://schemas.microsoft.com/office/drawing/2014/main" id="{361E9ADB-7377-4CF1-9AE4-AEFBDEBEEEEC}"/>
+              </a:ext>
+            </a:extLst>
+          </p:cNvPr>
+          <p:cNvPicPr>
+            <a:picLocks noGrp="1" noChangeAspect="1"/>
+          </p:cNvPicPr>
+          <p:nvPr>
+            <p:ph type="pic" sz="quarter" idx="13"/>
+          </p:nvPr>
+        </p:nvPicPr>
+        <p:blipFill rotWithShape="1">
+          <a:blip r:embed="rId3" cstate="screen">
+            <a:extLst>
+              <a:ext uri="{28A0092B-C50C-407E-A947-70E740481C1C}">
+                <a14:useLocalDpi xmlns:a14="http://schemas.microsoft.com/office/drawing/2010/main" val="0"/>
+              </a:ext>
+            </a:extLst>
+          </a:blip>
+          <a:srcRect/>
+          <a:stretch/>
+        </p:blipFill>
+        <p:spPr>
+          <a:xfrm>
+            <a:off x="0" y="0"/>
+            <a:ext cx="12192000" cy="3776472"/>
+          </a:xfrm>
+        </p:spPr>
+      </p:pic>
+      <p:sp>
+        <p:nvSpPr>
+          <p:cNvPr id="13" name="Content Placeholder 12">
+            <a:extLst>
+              <a:ext uri="{FF2B5EF4-FFF2-40B4-BE49-F238E27FC236}">
+                <a16:creationId xmlns:a16="http://schemas.microsoft.com/office/drawing/2014/main" id="{C0287FEC-3826-4868-8D93-52429C6156F5}"/>
+              </a:ext>
+            </a:extLst>
+          </p:cNvPr>
+          <p:cNvSpPr>
+            <a:spLocks noGrp="1"/>
+          </p:cNvSpPr>
+          <p:nvPr>
+            <p:ph sz="quarter" idx="15"/>
+          </p:nvPr>
+        </p:nvSpPr>
+        <p:spPr>
+          <a:xfrm>
+            <a:off x="3706878" y="4283630"/>
+            <a:ext cx="7255411" cy="2012698"/>
+          </a:xfrm>
+        </p:spPr>
+        <p:txBody>
+          <a:bodyPr>
+            <a:normAutofit/>
+          </a:bodyPr>
+          <a:lstStyle/>
+          <a:p>
+            <a:r>
+              <a:rPr lang="en-US" dirty="0"/>
+              <a:t>With the integration of LLM’s the previous task which required ML training, preparation, and quite bit of development today can be done in 1/10</a:t>
+            </a:r>
+            <a:r>
+              <a:rPr lang="en-US" baseline="30000" dirty="0"/>
+              <a:t>th</a:t>
+            </a:r>
+            <a:r>
+              <a:rPr lang="en-US" dirty="0"/>
+              <a:t> or less of time and effort.  This demo just took me a few hours, though I’ll be honest and say every software has its own caveats and it won't be as simple as a snap.</a:t>
+            </a:r>
+          </a:p>
+        </p:txBody>
+      </p:sp>
+      <p:sp>
+        <p:nvSpPr>
+          <p:cNvPr id="6" name="Slide Number Placeholder 5">
+            <a:extLst>
+              <a:ext uri="{FF2B5EF4-FFF2-40B4-BE49-F238E27FC236}">
+                <a16:creationId xmlns:a16="http://schemas.microsoft.com/office/drawing/2014/main" id="{9ED907F8-C614-4D59-A03F-BF9CD5E35703}"/>
+              </a:ext>
+            </a:extLst>
+          </p:cNvPr>
+          <p:cNvSpPr>
+            <a:spLocks noGrp="1"/>
+          </p:cNvSpPr>
+          <p:nvPr>
+            <p:ph type="sldNum" sz="quarter" idx="12"/>
+          </p:nvPr>
+        </p:nvSpPr>
+        <p:spPr>
+          <a:xfrm>
+            <a:off x="9948863" y="6507212"/>
+            <a:ext cx="1692274" cy="153888"/>
+          </a:xfrm>
+        </p:spPr>
+        <p:txBody>
+          <a:bodyPr/>
+          <a:lstStyle/>
+          <a:p>
+            <a:fld id="{DBA1B0FB-D917-4C8C-928F-313BD683BF39}" type="slidenum">
+              <a:rPr lang="en-US" smtClean="0"/>
+              <a:pPr/>
+              <a:t>4</a:t>
+            </a:fld>
+            <a:endParaRPr lang="en-US"/>
+          </a:p>
+        </p:txBody>
+      </p:sp>
+    </p:spTree>
+    <p:extLst>
+      <p:ext uri="{BB962C8B-B14F-4D97-AF65-F5344CB8AC3E}">
+        <p14:creationId xmlns:p14="http://schemas.microsoft.com/office/powerpoint/2010/main" val="3521561301"/>
+      </p:ext>
+    </p:extLst>
+  </p:cSld>
+  <p:clrMapOvr>
+    <a:masterClrMapping/>
+  </p:clrMapOvr>
+</p:sld>
+</file>
+
 <file path=ppt/slides/slide5.xml><?xml version="1.0" encoding="utf-8"?>
 <p:sld xmlns:a="http://schemas.openxmlformats.org/drawingml/2006/main" xmlns:r="http://schemas.openxmlformats.org/officeDocument/2006/relationships" xmlns:p="http://schemas.openxmlformats.org/presentationml/2006/main">
   <p:cSld>
@@ -15916,181 +15883,6 @@
       </p:grpSpPr>
       <p:sp>
         <p:nvSpPr>
-          <p:cNvPr id="11" name="Title 10">
-            <a:extLst>
-              <a:ext uri="{FF2B5EF4-FFF2-40B4-BE49-F238E27FC236}">
-                <a16:creationId xmlns:a16="http://schemas.microsoft.com/office/drawing/2014/main" id="{581E8936-2270-47FE-94A4-398CB123EF90}"/>
-              </a:ext>
-            </a:extLst>
-          </p:cNvPr>
-          <p:cNvSpPr>
-            <a:spLocks noGrp="1"/>
-          </p:cNvSpPr>
-          <p:nvPr>
-            <p:ph type="title"/>
-          </p:nvPr>
-        </p:nvSpPr>
-        <p:spPr>
-          <a:xfrm>
-            <a:off x="225042" y="4838811"/>
-            <a:ext cx="4500562" cy="1562959"/>
-          </a:xfrm>
-        </p:spPr>
-        <p:txBody>
-          <a:bodyPr/>
-          <a:lstStyle/>
-          <a:p>
-            <a:r>
-              <a:rPr lang="en-US" dirty="0"/>
-              <a:t>Conclusion</a:t>
-            </a:r>
-          </a:p>
-        </p:txBody>
-      </p:sp>
-      <p:pic>
-        <p:nvPicPr>
-          <p:cNvPr id="16" name="Picture Placeholder 15" descr="Data Points Digital background">
-            <a:extLst>
-              <a:ext uri="{FF2B5EF4-FFF2-40B4-BE49-F238E27FC236}">
-                <a16:creationId xmlns:a16="http://schemas.microsoft.com/office/drawing/2014/main" id="{361E9ADB-7377-4CF1-9AE4-AEFBDEBEEEEC}"/>
-              </a:ext>
-            </a:extLst>
-          </p:cNvPr>
-          <p:cNvPicPr>
-            <a:picLocks noGrp="1" noChangeAspect="1"/>
-          </p:cNvPicPr>
-          <p:nvPr>
-            <p:ph type="pic" sz="quarter" idx="13"/>
-          </p:nvPr>
-        </p:nvPicPr>
-        <p:blipFill rotWithShape="1">
-          <a:blip r:embed="rId3" cstate="screen">
-            <a:extLst>
-              <a:ext uri="{28A0092B-C50C-407E-A947-70E740481C1C}">
-                <a14:useLocalDpi xmlns:a14="http://schemas.microsoft.com/office/drawing/2010/main" val="0"/>
-              </a:ext>
-            </a:extLst>
-          </a:blip>
-          <a:srcRect/>
-          <a:stretch/>
-        </p:blipFill>
-        <p:spPr>
-          <a:xfrm>
-            <a:off x="0" y="0"/>
-            <a:ext cx="12192000" cy="3776472"/>
-          </a:xfrm>
-        </p:spPr>
-      </p:pic>
-      <p:sp>
-        <p:nvSpPr>
-          <p:cNvPr id="13" name="Content Placeholder 12">
-            <a:extLst>
-              <a:ext uri="{FF2B5EF4-FFF2-40B4-BE49-F238E27FC236}">
-                <a16:creationId xmlns:a16="http://schemas.microsoft.com/office/drawing/2014/main" id="{C0287FEC-3826-4868-8D93-52429C6156F5}"/>
-              </a:ext>
-            </a:extLst>
-          </p:cNvPr>
-          <p:cNvSpPr>
-            <a:spLocks noGrp="1"/>
-          </p:cNvSpPr>
-          <p:nvPr>
-            <p:ph sz="quarter" idx="15"/>
-          </p:nvPr>
-        </p:nvSpPr>
-        <p:spPr>
-          <a:xfrm>
-            <a:off x="3706878" y="4283630"/>
-            <a:ext cx="7255411" cy="2012698"/>
-          </a:xfrm>
-        </p:spPr>
-        <p:txBody>
-          <a:bodyPr>
-            <a:normAutofit/>
-          </a:bodyPr>
-          <a:lstStyle/>
-          <a:p>
-            <a:r>
-              <a:rPr lang="en-US" dirty="0"/>
-              <a:t>With the integration of LLM’s the previous task which required ML training, preparation, and quite bit of development today can be done in 1/10</a:t>
-            </a:r>
-            <a:r>
-              <a:rPr lang="en-US" baseline="30000" dirty="0"/>
-              <a:t>th</a:t>
-            </a:r>
-            <a:r>
-              <a:rPr lang="en-US" dirty="0"/>
-              <a:t> or less of time and effort.  This demo just took me a few hours, though I’ll be honest and say every software has its own caveats and it won't be as simple as a snap.</a:t>
-            </a:r>
-          </a:p>
-        </p:txBody>
-      </p:sp>
-      <p:sp>
-        <p:nvSpPr>
-          <p:cNvPr id="6" name="Slide Number Placeholder 5">
-            <a:extLst>
-              <a:ext uri="{FF2B5EF4-FFF2-40B4-BE49-F238E27FC236}">
-                <a16:creationId xmlns:a16="http://schemas.microsoft.com/office/drawing/2014/main" id="{9ED907F8-C614-4D59-A03F-BF9CD5E35703}"/>
-              </a:ext>
-            </a:extLst>
-          </p:cNvPr>
-          <p:cNvSpPr>
-            <a:spLocks noGrp="1"/>
-          </p:cNvSpPr>
-          <p:nvPr>
-            <p:ph type="sldNum" sz="quarter" idx="12"/>
-          </p:nvPr>
-        </p:nvSpPr>
-        <p:spPr>
-          <a:xfrm>
-            <a:off x="9948863" y="6507212"/>
-            <a:ext cx="1692274" cy="153888"/>
-          </a:xfrm>
-        </p:spPr>
-        <p:txBody>
-          <a:bodyPr/>
-          <a:lstStyle/>
-          <a:p>
-            <a:fld id="{DBA1B0FB-D917-4C8C-928F-313BD683BF39}" type="slidenum">
-              <a:rPr lang="en-US" smtClean="0"/>
-              <a:pPr/>
-              <a:t>5</a:t>
-            </a:fld>
-            <a:endParaRPr lang="en-US"/>
-          </a:p>
-        </p:txBody>
-      </p:sp>
-    </p:spTree>
-    <p:extLst>
-      <p:ext uri="{BB962C8B-B14F-4D97-AF65-F5344CB8AC3E}">
-        <p14:creationId xmlns:p14="http://schemas.microsoft.com/office/powerpoint/2010/main" val="3521561301"/>
-      </p:ext>
-    </p:extLst>
-  </p:cSld>
-  <p:clrMapOvr>
-    <a:masterClrMapping/>
-  </p:clrMapOvr>
-</p:sld>
-</file>
-
-<file path=ppt/slides/slide6.xml><?xml version="1.0" encoding="utf-8"?>
-<p:sld xmlns:a="http://schemas.openxmlformats.org/drawingml/2006/main" xmlns:r="http://schemas.openxmlformats.org/officeDocument/2006/relationships" xmlns:p="http://schemas.openxmlformats.org/presentationml/2006/main">
-  <p:cSld>
-    <p:spTree>
-      <p:nvGrpSpPr>
-        <p:cNvPr id="1" name=""/>
-        <p:cNvGrpSpPr/>
-        <p:nvPr/>
-      </p:nvGrpSpPr>
-      <p:grpSpPr>
-        <a:xfrm>
-          <a:off x="0" y="0"/>
-          <a:ext cx="0" cy="0"/>
-          <a:chOff x="0" y="0"/>
-          <a:chExt cx="0" cy="0"/>
-        </a:xfrm>
-      </p:grpSpPr>
-      <p:sp>
-        <p:nvSpPr>
           <p:cNvPr id="22" name="Title 21">
             <a:extLst>
               <a:ext uri="{FF2B5EF4-FFF2-40B4-BE49-F238E27FC236}">
@@ -16296,7 +16088,7 @@
             <a:fld id="{DBA1B0FB-D917-4C8C-928F-313BD683BF39}" type="slidenum">
               <a:rPr lang="en-US" smtClean="0"/>
               <a:pPr/>
-              <a:t>6</a:t>
+              <a:t>5</a:t>
             </a:fld>
             <a:endParaRPr lang="en-US"/>
           </a:p>
@@ -17116,6 +16908,25 @@
 </file>
 
 <file path=customXml/item2.xml><?xml version="1.0" encoding="utf-8"?>
+<p:properties xmlns:p="http://schemas.microsoft.com/office/2006/metadata/properties" xmlns:xsi="http://www.w3.org/2001/XMLSchema-instance" xmlns:pc="http://schemas.microsoft.com/office/infopath/2007/PartnerControls">
+  <documentManagement>
+    <_ip_UnifiedCompliancePolicyUIAction xmlns="http://schemas.microsoft.com/sharepoint/v3" xsi:nil="true"/>
+    <Image xmlns="71af3243-3dd4-4a8d-8c0d-dd76da1f02a5">
+      <Url xsi:nil="true"/>
+      <Description xsi:nil="true"/>
+    </Image>
+    <Status xmlns="71af3243-3dd4-4a8d-8c0d-dd76da1f02a5">Not started</Status>
+    <_ip_UnifiedCompliancePolicyProperties xmlns="http://schemas.microsoft.com/sharepoint/v3" xsi:nil="true"/>
+    <lcf76f155ced4ddcb4097134ff3c332f xmlns="71af3243-3dd4-4a8d-8c0d-dd76da1f02a5">
+      <Terms xmlns="http://schemas.microsoft.com/office/infopath/2007/PartnerControls"/>
+    </lcf76f155ced4ddcb4097134ff3c332f>
+    <TaxCatchAll xmlns="230e9df3-be65-4c73-a93b-d1236ebd677e"/>
+    <MediaServiceKeyPoints xmlns="71af3243-3dd4-4a8d-8c0d-dd76da1f02a5" xsi:nil="true"/>
+  </documentManagement>
+</p:properties>
+</file>
+
+<file path=customXml/item3.xml><?xml version="1.0" encoding="utf-8"?>
 <ct:contentTypeSchema xmlns:ct="http://schemas.microsoft.com/office/2006/metadata/contentType" xmlns:ma="http://schemas.microsoft.com/office/2006/metadata/properties/metaAttributes" ct:_="" ma:_="" ma:contentTypeName="Document" ma:contentTypeID="0x01010079F111ED35F8CC479449609E8A0923A6" ma:contentTypeVersion="18" ma:contentTypeDescription="Create a new document." ma:contentTypeScope="" ma:versionID="22a266b9fa9a230c5a512669d8b298c3">
   <xsd:schema xmlns:xsd="http://www.w3.org/2001/XMLSchema" xmlns:xs="http://www.w3.org/2001/XMLSchema" xmlns:p="http://schemas.microsoft.com/office/2006/metadata/properties" xmlns:ns1="http://schemas.microsoft.com/sharepoint/v3" xmlns:ns2="71af3243-3dd4-4a8d-8c0d-dd76da1f02a5" xmlns:ns3="16c05727-aa75-4e4a-9b5f-8a80a1165891" xmlns:ns4="230e9df3-be65-4c73-a93b-d1236ebd677e" targetNamespace="http://schemas.microsoft.com/office/2006/metadata/properties" ma:root="true" ma:fieldsID="eddc33fff6b14141ee5c74a0d29ea6a1" ns1:_="" ns2:_="" ns3:_="" ns4:_="">
     <xsd:import namespace="http://schemas.microsoft.com/sharepoint/v3"/>
@@ -17391,25 +17202,6 @@
 </ct:contentTypeSchema>
 </file>
 
-<file path=customXml/item3.xml><?xml version="1.0" encoding="utf-8"?>
-<p:properties xmlns:p="http://schemas.microsoft.com/office/2006/metadata/properties" xmlns:xsi="http://www.w3.org/2001/XMLSchema-instance" xmlns:pc="http://schemas.microsoft.com/office/infopath/2007/PartnerControls">
-  <documentManagement>
-    <_ip_UnifiedCompliancePolicyUIAction xmlns="http://schemas.microsoft.com/sharepoint/v3" xsi:nil="true"/>
-    <Image xmlns="71af3243-3dd4-4a8d-8c0d-dd76da1f02a5">
-      <Url xsi:nil="true"/>
-      <Description xsi:nil="true"/>
-    </Image>
-    <Status xmlns="71af3243-3dd4-4a8d-8c0d-dd76da1f02a5">Not started</Status>
-    <_ip_UnifiedCompliancePolicyProperties xmlns="http://schemas.microsoft.com/sharepoint/v3" xsi:nil="true"/>
-    <lcf76f155ced4ddcb4097134ff3c332f xmlns="71af3243-3dd4-4a8d-8c0d-dd76da1f02a5">
-      <Terms xmlns="http://schemas.microsoft.com/office/infopath/2007/PartnerControls"/>
-    </lcf76f155ced4ddcb4097134ff3c332f>
-    <TaxCatchAll xmlns="230e9df3-be65-4c73-a93b-d1236ebd677e"/>
-    <MediaServiceKeyPoints xmlns="71af3243-3dd4-4a8d-8c0d-dd76da1f02a5" xsi:nil="true"/>
-  </documentManagement>
-</p:properties>
-</file>
-
 <file path=customXml/itemProps1.xml><?xml version="1.0" encoding="utf-8"?>
 <ds:datastoreItem xmlns:ds="http://schemas.openxmlformats.org/officeDocument/2006/customXml" ds:itemID="{DF76BC85-9361-4044-951E-1D698143E543}">
   <ds:schemaRefs>
@@ -17419,6 +17211,18 @@
 </file>
 
 <file path=customXml/itemProps2.xml><?xml version="1.0" encoding="utf-8"?>
+<ds:datastoreItem xmlns:ds="http://schemas.openxmlformats.org/officeDocument/2006/customXml" ds:itemID="{CF128D9D-8887-4AE7-BD39-EBCD268E911A}">
+  <ds:schemaRefs>
+    <ds:schemaRef ds:uri="http://schemas.microsoft.com/office/2006/metadata/properties"/>
+    <ds:schemaRef ds:uri="http://schemas.microsoft.com/office/infopath/2007/PartnerControls"/>
+    <ds:schemaRef ds:uri="http://schemas.microsoft.com/sharepoint/v3"/>
+    <ds:schemaRef ds:uri="71af3243-3dd4-4a8d-8c0d-dd76da1f02a5"/>
+    <ds:schemaRef ds:uri="230e9df3-be65-4c73-a93b-d1236ebd677e"/>
+  </ds:schemaRefs>
+</ds:datastoreItem>
+</file>
+
+<file path=customXml/itemProps3.xml><?xml version="1.0" encoding="utf-8"?>
 <ds:datastoreItem xmlns:ds="http://schemas.openxmlformats.org/officeDocument/2006/customXml" ds:itemID="{5A163FB7-958F-4794-B3EE-EC8933868F09}">
   <ds:schemaRefs>
     <ds:schemaRef ds:uri="http://schemas.microsoft.com/office/2006/metadata/contentType"/>
@@ -17439,18 +17243,6 @@
 </ds:datastoreItem>
 </file>
 
-<file path=customXml/itemProps3.xml><?xml version="1.0" encoding="utf-8"?>
-<ds:datastoreItem xmlns:ds="http://schemas.openxmlformats.org/officeDocument/2006/customXml" ds:itemID="{CF128D9D-8887-4AE7-BD39-EBCD268E911A}">
-  <ds:schemaRefs>
-    <ds:schemaRef ds:uri="http://schemas.microsoft.com/office/2006/metadata/properties"/>
-    <ds:schemaRef ds:uri="http://schemas.microsoft.com/office/infopath/2007/PartnerControls"/>
-    <ds:schemaRef ds:uri="http://schemas.microsoft.com/sharepoint/v3"/>
-    <ds:schemaRef ds:uri="71af3243-3dd4-4a8d-8c0d-dd76da1f02a5"/>
-    <ds:schemaRef ds:uri="230e9df3-be65-4c73-a93b-d1236ebd677e"/>
-  </ds:schemaRefs>
-</ds:datastoreItem>
-</file>
-
 <file path=docMetadata/LabelInfo.xml><?xml version="1.0" encoding="utf-8"?>
 <clbl:labelList xmlns:clbl="http://schemas.microsoft.com/office/2020/mipLabelMetadata">
   <clbl:label id="{f42aa342-8706-4288-bd11-ebb85995028c}" enabled="1" method="Standard" siteId="{72f988bf-86f1-41af-91ab-2d7cd011db47}" contentBits="0" removed="0"/>
